--- a/slides_extended.pptx
+++ b/slides_extended.pptx
@@ -16668,7 +16668,7 @@
           <a:p>
             <a:fld id="{9B8D2696-61FB-C246-8F1D-187ED3A901A4}" type="datetimeFigureOut">
               <a:rPr lang="en-US" smtClean="0"/>
-              <a:t>4/27/22</a:t>
+              <a:t>4/29/22</a:t>
             </a:fld>
             <a:endParaRPr lang="en-US"/>
           </a:p>
@@ -18920,7 +18920,7 @@
           <a:p>
             <a:fld id="{02AC24A9-CCB6-4F8D-B8DB-C2F3692CFA5A}" type="datetimeFigureOut">
               <a:rPr lang="en-US" smtClean="0"/>
-              <a:t>4/27/22</a:t>
+              <a:t>4/29/22</a:t>
             </a:fld>
             <a:endParaRPr lang="en-US" dirty="0"/>
           </a:p>
@@ -19120,7 +19120,7 @@
           <a:p>
             <a:fld id="{02AC24A9-CCB6-4F8D-B8DB-C2F3692CFA5A}" type="datetimeFigureOut">
               <a:rPr lang="en-US" smtClean="0"/>
-              <a:t>4/27/22</a:t>
+              <a:t>4/29/22</a:t>
             </a:fld>
             <a:endParaRPr lang="en-US"/>
           </a:p>
@@ -19330,7 +19330,7 @@
           <a:p>
             <a:fld id="{02AC24A9-CCB6-4F8D-B8DB-C2F3692CFA5A}" type="datetimeFigureOut">
               <a:rPr lang="en-US" smtClean="0"/>
-              <a:t>4/27/22</a:t>
+              <a:t>4/29/22</a:t>
             </a:fld>
             <a:endParaRPr lang="en-US"/>
           </a:p>
@@ -19530,7 +19530,7 @@
           <a:p>
             <a:fld id="{02AC24A9-CCB6-4F8D-B8DB-C2F3692CFA5A}" type="datetimeFigureOut">
               <a:rPr lang="en-US" smtClean="0"/>
-              <a:t>4/27/22</a:t>
+              <a:t>4/29/22</a:t>
             </a:fld>
             <a:endParaRPr lang="en-US"/>
           </a:p>
@@ -19806,7 +19806,7 @@
           <a:p>
             <a:fld id="{02AC24A9-CCB6-4F8D-B8DB-C2F3692CFA5A}" type="datetimeFigureOut">
               <a:rPr lang="en-US" smtClean="0"/>
-              <a:t>4/27/22</a:t>
+              <a:t>4/29/22</a:t>
             </a:fld>
             <a:endParaRPr lang="en-US"/>
           </a:p>
@@ -20074,7 +20074,7 @@
           <a:p>
             <a:fld id="{02AC24A9-CCB6-4F8D-B8DB-C2F3692CFA5A}" type="datetimeFigureOut">
               <a:rPr lang="en-US" smtClean="0"/>
-              <a:t>4/27/22</a:t>
+              <a:t>4/29/22</a:t>
             </a:fld>
             <a:endParaRPr lang="en-US"/>
           </a:p>
@@ -20489,7 +20489,7 @@
           <a:p>
             <a:fld id="{02AC24A9-CCB6-4F8D-B8DB-C2F3692CFA5A}" type="datetimeFigureOut">
               <a:rPr lang="en-US" smtClean="0"/>
-              <a:t>4/27/22</a:t>
+              <a:t>4/29/22</a:t>
             </a:fld>
             <a:endParaRPr lang="en-US"/>
           </a:p>
@@ -20631,7 +20631,7 @@
           <a:p>
             <a:fld id="{02AC24A9-CCB6-4F8D-B8DB-C2F3692CFA5A}" type="datetimeFigureOut">
               <a:rPr lang="en-US" smtClean="0"/>
-              <a:t>4/27/22</a:t>
+              <a:t>4/29/22</a:t>
             </a:fld>
             <a:endParaRPr lang="en-US"/>
           </a:p>
@@ -20744,7 +20744,7 @@
           <a:p>
             <a:fld id="{02AC24A9-CCB6-4F8D-B8DB-C2F3692CFA5A}" type="datetimeFigureOut">
               <a:rPr lang="en-US" smtClean="0"/>
-              <a:t>4/27/22</a:t>
+              <a:t>4/29/22</a:t>
             </a:fld>
             <a:endParaRPr lang="en-US"/>
           </a:p>
@@ -21057,7 +21057,7 @@
           <a:p>
             <a:fld id="{02AC24A9-CCB6-4F8D-B8DB-C2F3692CFA5A}" type="datetimeFigureOut">
               <a:rPr lang="en-US" smtClean="0"/>
-              <a:t>4/27/22</a:t>
+              <a:t>4/29/22</a:t>
             </a:fld>
             <a:endParaRPr lang="en-US"/>
           </a:p>
@@ -21346,7 +21346,7 @@
           <a:p>
             <a:fld id="{02AC24A9-CCB6-4F8D-B8DB-C2F3692CFA5A}" type="datetimeFigureOut">
               <a:rPr lang="en-US" smtClean="0"/>
-              <a:t>4/27/22</a:t>
+              <a:t>4/29/22</a:t>
             </a:fld>
             <a:endParaRPr lang="en-US"/>
           </a:p>
@@ -21589,7 +21589,7 @@
           <a:p>
             <a:fld id="{02AC24A9-CCB6-4F8D-B8DB-C2F3692CFA5A}" type="datetimeFigureOut">
               <a:rPr lang="en-US" smtClean="0"/>
-              <a:t>4/27/22</a:t>
+              <a:t>4/29/22</a:t>
             </a:fld>
             <a:endParaRPr lang="en-US"/>
           </a:p>
